--- a/Presentation of os.pptx
+++ b/Presentation of os.pptx
@@ -131,9 +131,46 @@
 <file path=ppt/revisionInfo.xml><?xml version="1.0" encoding="utf-8"?>
 <p1510:revInfo xmlns:a="http://schemas.openxmlformats.org/drawingml/2006/main" xmlns:r="http://schemas.openxmlformats.org/officeDocument/2006/relationships" xmlns:p1510="http://schemas.microsoft.com/office/powerpoint/2015/10/main">
   <p1510:revLst>
-    <p1510:client id="{76B95110-757C-4265-949B-B65A7015F6C2}" v="366" dt="2022-11-29T04:23:45.644"/>
+    <p1510:client id="{76B95110-757C-4265-949B-B65A7015F6C2}" v="367" dt="2022-12-22T15:23:08.235"/>
   </p1510:revLst>
 </p1510:revInfo>
+</file>
+
+<file path=ppt/changesInfos/changesInfo1.xml><?xml version="1.0" encoding="utf-8"?>
+<pc:chgInfo xmlns:a="http://schemas.openxmlformats.org/drawingml/2006/main" xmlns:r="http://schemas.openxmlformats.org/officeDocument/2006/relationships" xmlns:ac="http://schemas.microsoft.com/office/drawing/2013/main/command" xmlns:pc="http://schemas.microsoft.com/office/powerpoint/2013/main/command">
+  <pc:docChgLst>
+    <pc:chgData name="Tushant Karihaloo" userId="2ca80841662a94ba" providerId="LiveId" clId="{76B95110-757C-4265-949B-B65A7015F6C2}"/>
+    <pc:docChg chg="custSel modSld">
+      <pc:chgData name="Tushant Karihaloo" userId="2ca80841662a94ba" providerId="LiveId" clId="{76B95110-757C-4265-949B-B65A7015F6C2}" dt="2022-12-22T15:23:13.524" v="79" actId="21"/>
+      <pc:docMkLst>
+        <pc:docMk/>
+      </pc:docMkLst>
+      <pc:sldChg chg="addSp delSp modSp mod">
+        <pc:chgData name="Tushant Karihaloo" userId="2ca80841662a94ba" providerId="LiveId" clId="{76B95110-757C-4265-949B-B65A7015F6C2}" dt="2022-12-22T15:23:13.524" v="79" actId="21"/>
+        <pc:sldMkLst>
+          <pc:docMk/>
+          <pc:sldMk cId="2548161907" sldId="259"/>
+        </pc:sldMkLst>
+        <pc:spChg chg="mod">
+          <ac:chgData name="Tushant Karihaloo" userId="2ca80841662a94ba" providerId="LiveId" clId="{76B95110-757C-4265-949B-B65A7015F6C2}" dt="2022-12-22T15:22:32.147" v="76" actId="20577"/>
+          <ac:spMkLst>
+            <pc:docMk/>
+            <pc:sldMk cId="2548161907" sldId="259"/>
+            <ac:spMk id="6" creationId="{654A232F-2F1E-20A2-50DB-CD56A62D7C99}"/>
+          </ac:spMkLst>
+        </pc:spChg>
+        <pc:picChg chg="add del mod">
+          <ac:chgData name="Tushant Karihaloo" userId="2ca80841662a94ba" providerId="LiveId" clId="{76B95110-757C-4265-949B-B65A7015F6C2}" dt="2022-12-22T15:23:13.524" v="79" actId="21"/>
+          <ac:picMkLst>
+            <pc:docMk/>
+            <pc:sldMk cId="2548161907" sldId="259"/>
+            <ac:picMk id="3" creationId="{6B6B0A45-EA01-9768-00A6-71439B025F33}"/>
+          </ac:picMkLst>
+        </pc:picChg>
+      </pc:sldChg>
+    </pc:docChg>
+  </pc:docChgLst>
+</pc:chgInfo>
 </file>
 
 <file path=ppt/diagrams/colors1.xml><?xml version="1.0" encoding="utf-8"?>
@@ -9027,7 +9064,7 @@
         <p:spPr>
           <a:xfrm>
             <a:off x="1587709" y="3928188"/>
-            <a:ext cx="7949235" cy="923330"/>
+            <a:ext cx="9571904" cy="923330"/>
           </a:xfrm>
           <a:prstGeom prst="rect">
             <a:avLst/>
@@ -9042,7 +9079,15 @@
           <a:p>
             <a:r>
               <a:rPr lang="en-US" dirty="0"/>
-              <a:t>SUBMITTED BY : Gaurang Mantoo , Madhav Sharma, Tushant Karihaloo</a:t>
+              <a:t>SUBMITTED BY : Gaurang Mantoo , Madhav Sharma, Bharat </a:t>
+            </a:r>
+            <a:r>
+              <a:rPr lang="en-US" dirty="0" err="1"/>
+              <a:t>washal,Tushant</a:t>
+            </a:r>
+            <a:r>
+              <a:rPr lang="en-US" dirty="0"/>
+              <a:t> Karihaloo</a:t>
             </a:r>
           </a:p>
           <a:p>
